--- a/Лекции/ИТиП лек 5.pptx
+++ b/Лекции/ИТиП лек 5.pptx
@@ -237,7 +237,7 @@
             <a:fld id="{AA2F9473-F066-431E-A6E8-1D478C995A6B}" type="datetimeFigureOut">
               <a:rPr lang="en-US" smtClean="0"/>
               <a:pPr/>
-              <a:t>11/27/2024</a:t>
+              <a:t>11/28/2024</a:t>
             </a:fld>
             <a:endParaRPr lang="en-US"/>
           </a:p>
@@ -3273,7 +3273,7 @@
           <p:cNvPr id="9" name="Номер слайда 3">
             <a:extLst>
               <a:ext uri="{FF2B5EF4-FFF2-40B4-BE49-F238E27FC236}">
-                <a16:creationId xmlns:a16="http://schemas.microsoft.com/office/drawing/2014/main" xmlns="" id="{3DF48714-7FE4-4364-BF9D-28B9C9E2979D}"/>
+                <a16:creationId xmlns:a16="http://schemas.microsoft.com/office/drawing/2014/main" id="{3DF48714-7FE4-4364-BF9D-28B9C9E2979D}"/>
               </a:ext>
             </a:extLst>
           </p:cNvPr>
@@ -3485,7 +3485,7 @@
           <p:cNvPr id="10" name="Номер слайда 3">
             <a:extLst>
               <a:ext uri="{FF2B5EF4-FFF2-40B4-BE49-F238E27FC236}">
-                <a16:creationId xmlns:a16="http://schemas.microsoft.com/office/drawing/2014/main" xmlns="" id="{3DF48714-7FE4-4364-BF9D-28B9C9E2979D}"/>
+                <a16:creationId xmlns:a16="http://schemas.microsoft.com/office/drawing/2014/main" id="{3DF48714-7FE4-4364-BF9D-28B9C9E2979D}"/>
               </a:ext>
             </a:extLst>
           </p:cNvPr>
@@ -3704,7 +3704,7 @@
           <p:cNvPr id="9" name="Номер слайда 3">
             <a:extLst>
               <a:ext uri="{FF2B5EF4-FFF2-40B4-BE49-F238E27FC236}">
-                <a16:creationId xmlns:a16="http://schemas.microsoft.com/office/drawing/2014/main" xmlns="" id="{3DF48714-7FE4-4364-BF9D-28B9C9E2979D}"/>
+                <a16:creationId xmlns:a16="http://schemas.microsoft.com/office/drawing/2014/main" id="{3DF48714-7FE4-4364-BF9D-28B9C9E2979D}"/>
               </a:ext>
             </a:extLst>
           </p:cNvPr>
@@ -3834,7 +3834,7 @@
           <p:cNvPr id="7" name="Номер слайда 3">
             <a:extLst>
               <a:ext uri="{FF2B5EF4-FFF2-40B4-BE49-F238E27FC236}">
-                <a16:creationId xmlns:a16="http://schemas.microsoft.com/office/drawing/2014/main" xmlns="" id="{3DF48714-7FE4-4364-BF9D-28B9C9E2979D}"/>
+                <a16:creationId xmlns:a16="http://schemas.microsoft.com/office/drawing/2014/main" id="{3DF48714-7FE4-4364-BF9D-28B9C9E2979D}"/>
               </a:ext>
             </a:extLst>
           </p:cNvPr>
@@ -4043,7 +4043,7 @@
           <p:cNvPr id="9" name="Номер слайда 3">
             <a:extLst>
               <a:ext uri="{FF2B5EF4-FFF2-40B4-BE49-F238E27FC236}">
-                <a16:creationId xmlns:a16="http://schemas.microsoft.com/office/drawing/2014/main" xmlns="" id="{3DF48714-7FE4-4364-BF9D-28B9C9E2979D}"/>
+                <a16:creationId xmlns:a16="http://schemas.microsoft.com/office/drawing/2014/main" id="{3DF48714-7FE4-4364-BF9D-28B9C9E2979D}"/>
               </a:ext>
             </a:extLst>
           </p:cNvPr>
@@ -4331,7 +4331,7 @@
           <p:cNvPr id="9" name="Номер слайда 3">
             <a:extLst>
               <a:ext uri="{FF2B5EF4-FFF2-40B4-BE49-F238E27FC236}">
-                <a16:creationId xmlns:a16="http://schemas.microsoft.com/office/drawing/2014/main" xmlns="" id="{3DF48714-7FE4-4364-BF9D-28B9C9E2979D}"/>
+                <a16:creationId xmlns:a16="http://schemas.microsoft.com/office/drawing/2014/main" id="{3DF48714-7FE4-4364-BF9D-28B9C9E2979D}"/>
               </a:ext>
             </a:extLst>
           </p:cNvPr>
@@ -4602,7 +4602,7 @@
           <p:cNvPr id="10" name="Номер слайда 3">
             <a:extLst>
               <a:ext uri="{FF2B5EF4-FFF2-40B4-BE49-F238E27FC236}">
-                <a16:creationId xmlns:a16="http://schemas.microsoft.com/office/drawing/2014/main" xmlns="" id="{3DF48714-7FE4-4364-BF9D-28B9C9E2979D}"/>
+                <a16:creationId xmlns:a16="http://schemas.microsoft.com/office/drawing/2014/main" id="{3DF48714-7FE4-4364-BF9D-28B9C9E2979D}"/>
               </a:ext>
             </a:extLst>
           </p:cNvPr>
@@ -5008,7 +5008,7 @@
           <p:cNvPr id="12" name="Номер слайда 3">
             <a:extLst>
               <a:ext uri="{FF2B5EF4-FFF2-40B4-BE49-F238E27FC236}">
-                <a16:creationId xmlns:a16="http://schemas.microsoft.com/office/drawing/2014/main" xmlns="" id="{3DF48714-7FE4-4364-BF9D-28B9C9E2979D}"/>
+                <a16:creationId xmlns:a16="http://schemas.microsoft.com/office/drawing/2014/main" id="{3DF48714-7FE4-4364-BF9D-28B9C9E2979D}"/>
               </a:ext>
             </a:extLst>
           </p:cNvPr>
@@ -5165,7 +5165,7 @@
           <p:cNvPr id="8" name="Номер слайда 3">
             <a:extLst>
               <a:ext uri="{FF2B5EF4-FFF2-40B4-BE49-F238E27FC236}">
-                <a16:creationId xmlns:a16="http://schemas.microsoft.com/office/drawing/2014/main" xmlns="" id="{3DF48714-7FE4-4364-BF9D-28B9C9E2979D}"/>
+                <a16:creationId xmlns:a16="http://schemas.microsoft.com/office/drawing/2014/main" id="{3DF48714-7FE4-4364-BF9D-28B9C9E2979D}"/>
               </a:ext>
             </a:extLst>
           </p:cNvPr>
@@ -5299,7 +5299,7 @@
           <p:cNvPr id="7" name="Номер слайда 3">
             <a:extLst>
               <a:ext uri="{FF2B5EF4-FFF2-40B4-BE49-F238E27FC236}">
-                <a16:creationId xmlns:a16="http://schemas.microsoft.com/office/drawing/2014/main" xmlns="" id="{3DF48714-7FE4-4364-BF9D-28B9C9E2979D}"/>
+                <a16:creationId xmlns:a16="http://schemas.microsoft.com/office/drawing/2014/main" id="{3DF48714-7FE4-4364-BF9D-28B9C9E2979D}"/>
               </a:ext>
             </a:extLst>
           </p:cNvPr>
@@ -5615,7 +5615,7 @@
           <p:cNvPr id="10" name="Номер слайда 3">
             <a:extLst>
               <a:ext uri="{FF2B5EF4-FFF2-40B4-BE49-F238E27FC236}">
-                <a16:creationId xmlns:a16="http://schemas.microsoft.com/office/drawing/2014/main" xmlns="" id="{3DF48714-7FE4-4364-BF9D-28B9C9E2979D}"/>
+                <a16:creationId xmlns:a16="http://schemas.microsoft.com/office/drawing/2014/main" id="{3DF48714-7FE4-4364-BF9D-28B9C9E2979D}"/>
               </a:ext>
             </a:extLst>
           </p:cNvPr>
@@ -5911,7 +5911,7 @@
           <p:cNvPr id="10" name="Номер слайда 3">
             <a:extLst>
               <a:ext uri="{FF2B5EF4-FFF2-40B4-BE49-F238E27FC236}">
-                <a16:creationId xmlns:a16="http://schemas.microsoft.com/office/drawing/2014/main" xmlns="" id="{3DF48714-7FE4-4364-BF9D-28B9C9E2979D}"/>
+                <a16:creationId xmlns:a16="http://schemas.microsoft.com/office/drawing/2014/main" id="{3DF48714-7FE4-4364-BF9D-28B9C9E2979D}"/>
               </a:ext>
             </a:extLst>
           </p:cNvPr>
@@ -6184,7 +6184,7 @@
           <p:cNvPr id="9" name="Номер слайда 3">
             <a:extLst>
               <a:ext uri="{FF2B5EF4-FFF2-40B4-BE49-F238E27FC236}">
-                <a16:creationId xmlns:a16="http://schemas.microsoft.com/office/drawing/2014/main" xmlns="" id="{3DF48714-7FE4-4364-BF9D-28B9C9E2979D}"/>
+                <a16:creationId xmlns:a16="http://schemas.microsoft.com/office/drawing/2014/main" id="{3DF48714-7FE4-4364-BF9D-28B9C9E2979D}"/>
               </a:ext>
             </a:extLst>
           </p:cNvPr>
@@ -6643,7 +6643,7 @@
           <p:cNvPr id="17" name="Заголовок 16">
             <a:extLst>
               <a:ext uri="{FF2B5EF4-FFF2-40B4-BE49-F238E27FC236}">
-                <a16:creationId xmlns:a16="http://schemas.microsoft.com/office/drawing/2014/main" xmlns="" id="{D630362D-1F09-46B4-9DE4-AEA483AC82FD}"/>
+                <a16:creationId xmlns:a16="http://schemas.microsoft.com/office/drawing/2014/main" id="{D630362D-1F09-46B4-9DE4-AEA483AC82FD}"/>
               </a:ext>
             </a:extLst>
           </p:cNvPr>
@@ -6859,7 +6859,7 @@
           <p:cNvPr id="12" name="TextBox 11">
             <a:extLst>
               <a:ext uri="{FF2B5EF4-FFF2-40B4-BE49-F238E27FC236}">
-                <a16:creationId xmlns:a16="http://schemas.microsoft.com/office/drawing/2014/main" xmlns="" id="{F7B00361-5492-4290-B470-295172C16526}"/>
+                <a16:creationId xmlns:a16="http://schemas.microsoft.com/office/drawing/2014/main" id="{F7B00361-5492-4290-B470-295172C16526}"/>
               </a:ext>
             </a:extLst>
           </p:cNvPr>
@@ -11952,13 +11952,7 @@
               <a:rPr lang="ru-RU" sz="2400" dirty="0" smtClean="0">
                 <a:latin typeface="Bookman Old Style" panose="02050604050505020204" pitchFamily="18" charset="0"/>
               </a:rPr>
-              <a:t>Предложения </a:t>
-            </a:r>
-            <a:r>
-              <a:rPr lang="ru-RU" sz="2400" dirty="0" smtClean="0">
-                <a:latin typeface="Bookman Old Style" panose="02050604050505020204" pitchFamily="18" charset="0"/>
-              </a:rPr>
-              <a:t>со словом «Поттер»:</a:t>
+              <a:t>Предложения со словом «Поттер»:</a:t>
             </a:r>
             <a:endParaRPr lang="ru-RU" sz="2400" dirty="0" smtClean="0">
               <a:solidFill>
@@ -12294,16 +12288,43 @@
                 </a:solidFill>
                 <a:latin typeface="Consolas" panose="020B0609020204030204" pitchFamily="49" charset="0"/>
               </a:rPr>
-              <a:t>Поттер"</a:t>
-            </a:r>
-            <a:r>
-              <a:rPr lang="ru-RU" sz="2400" dirty="0">
+              <a:t>Поттер</a:t>
+            </a:r>
+            <a:r>
+              <a:rPr lang="ru-RU" sz="2400" dirty="0" smtClean="0">
+                <a:solidFill>
+                  <a:srgbClr val="A31515"/>
+                </a:solidFill>
+                <a:latin typeface="Consolas" panose="020B0609020204030204" pitchFamily="49" charset="0"/>
+              </a:rPr>
+              <a:t>"</a:t>
+            </a:r>
+            <a:r>
+              <a:rPr lang="ru-RU" sz="2400" dirty="0" smtClean="0">
                 <a:solidFill>
                   <a:srgbClr val="222222"/>
                 </a:solidFill>
                 <a:latin typeface="Consolas" panose="020B0609020204030204" pitchFamily="49" charset="0"/>
               </a:rPr>
-              <a:t>))</a:t>
+              <a:t>)</a:t>
+            </a:r>
+            <a:r>
+              <a:rPr lang="en-US" sz="2400" dirty="0" smtClean="0">
+                <a:solidFill>
+                  <a:srgbClr val="222222"/>
+                </a:solidFill>
+                <a:latin typeface="Consolas" panose="020B0609020204030204" pitchFamily="49" charset="0"/>
+              </a:rPr>
+              <a:t> == true</a:t>
+            </a:r>
+            <a:r>
+              <a:rPr lang="ru-RU" sz="2400" dirty="0" smtClean="0">
+                <a:solidFill>
+                  <a:srgbClr val="222222"/>
+                </a:solidFill>
+                <a:latin typeface="Consolas" panose="020B0609020204030204" pitchFamily="49" charset="0"/>
+              </a:rPr>
+              <a:t>)</a:t>
             </a:r>
             <a:endParaRPr lang="ru-RU" sz="2400" dirty="0">
               <a:solidFill>
@@ -12710,7 +12731,7 @@
           <a:graphicData uri="http://schemas.openxmlformats.org/presentationml/2006/ole">
             <mc:AlternateContent xmlns:mc="http://schemas.openxmlformats.org/markup-compatibility/2006">
               <mc:Choice xmlns:v="urn:schemas-microsoft-com:vml" Requires="v">
-                <p:oleObj spid="_x0000_s2258" name="Equation" r:id="rId4" imgW="139680" imgH="152280" progId="Equation.3">
+                <p:oleObj spid="_x0000_s2284" name="Equation" r:id="rId4" imgW="139680" imgH="152280" progId="Equation.3">
                   <p:embed/>
                 </p:oleObj>
               </mc:Choice>
@@ -12763,7 +12784,7 @@
           <a:graphicData uri="http://schemas.openxmlformats.org/presentationml/2006/ole">
             <mc:AlternateContent xmlns:mc="http://schemas.openxmlformats.org/markup-compatibility/2006">
               <mc:Choice xmlns:v="urn:schemas-microsoft-com:vml" Requires="v">
-                <p:oleObj spid="_x0000_s2259" name="Equation" r:id="rId6" imgW="152280" imgH="190440" progId="Equation.3">
+                <p:oleObj spid="_x0000_s2285" name="Equation" r:id="rId6" imgW="152280" imgH="190440" progId="Equation.3">
                   <p:embed/>
                 </p:oleObj>
               </mc:Choice>
@@ -13184,7 +13205,7 @@
           <a:graphicData uri="http://schemas.openxmlformats.org/presentationml/2006/ole">
             <mc:AlternateContent xmlns:mc="http://schemas.openxmlformats.org/markup-compatibility/2006">
               <mc:Choice xmlns:v="urn:schemas-microsoft-com:vml" Requires="v">
-                <p:oleObj spid="_x0000_s2260" name="Equation" r:id="rId8" imgW="190440" imgH="241200" progId="Equation.3">
+                <p:oleObj spid="_x0000_s2286" name="Equation" r:id="rId8" imgW="190440" imgH="241200" progId="Equation.3">
                   <p:embed/>
                 </p:oleObj>
               </mc:Choice>
@@ -13237,7 +13258,7 @@
           <a:graphicData uri="http://schemas.openxmlformats.org/presentationml/2006/ole">
             <mc:AlternateContent xmlns:mc="http://schemas.openxmlformats.org/markup-compatibility/2006">
               <mc:Choice xmlns:v="urn:schemas-microsoft-com:vml" Requires="v">
-                <p:oleObj spid="_x0000_s2261" name="Equation" r:id="rId10" imgW="164880" imgH="241200" progId="Equation.3">
+                <p:oleObj spid="_x0000_s2287" name="Equation" r:id="rId10" imgW="164880" imgH="241200" progId="Equation.3">
                   <p:embed/>
                 </p:oleObj>
               </mc:Choice>
@@ -13290,7 +13311,7 @@
           <a:graphicData uri="http://schemas.openxmlformats.org/presentationml/2006/ole">
             <mc:AlternateContent xmlns:mc="http://schemas.openxmlformats.org/markup-compatibility/2006">
               <mc:Choice xmlns:v="urn:schemas-microsoft-com:vml" Requires="v">
-                <p:oleObj spid="_x0000_s2262" name="Equation" r:id="rId12" imgW="190440" imgH="241200" progId="Equation.3">
+                <p:oleObj spid="_x0000_s2288" name="Equation" r:id="rId12" imgW="190440" imgH="241200" progId="Equation.3">
                   <p:embed/>
                 </p:oleObj>
               </mc:Choice>
@@ -13343,7 +13364,7 @@
           <a:graphicData uri="http://schemas.openxmlformats.org/presentationml/2006/ole">
             <mc:AlternateContent xmlns:mc="http://schemas.openxmlformats.org/markup-compatibility/2006">
               <mc:Choice xmlns:v="urn:schemas-microsoft-com:vml" Requires="v">
-                <p:oleObj spid="_x0000_s2263" name="Equation" r:id="rId14" imgW="164880" imgH="241200" progId="Equation.3">
+                <p:oleObj spid="_x0000_s2289" name="Equation" r:id="rId14" imgW="164880" imgH="241200" progId="Equation.3">
                   <p:embed/>
                 </p:oleObj>
               </mc:Choice>
@@ -13396,7 +13417,7 @@
           <a:graphicData uri="http://schemas.openxmlformats.org/presentationml/2006/ole">
             <mc:AlternateContent xmlns:mc="http://schemas.openxmlformats.org/markup-compatibility/2006">
               <mc:Choice xmlns:v="urn:schemas-microsoft-com:vml" Requires="v">
-                <p:oleObj spid="_x0000_s2264" name="Equation" r:id="rId16" imgW="190440" imgH="241200" progId="Equation.3">
+                <p:oleObj spid="_x0000_s2290" name="Equation" r:id="rId16" imgW="190440" imgH="241200" progId="Equation.3">
                   <p:embed/>
                 </p:oleObj>
               </mc:Choice>
@@ -13449,7 +13470,7 @@
           <a:graphicData uri="http://schemas.openxmlformats.org/presentationml/2006/ole">
             <mc:AlternateContent xmlns:mc="http://schemas.openxmlformats.org/markup-compatibility/2006">
               <mc:Choice xmlns:v="urn:schemas-microsoft-com:vml" Requires="v">
-                <p:oleObj spid="_x0000_s2265" name="Equation" r:id="rId18" imgW="190440" imgH="241200" progId="Equation.3">
+                <p:oleObj spid="_x0000_s2291" name="Equation" r:id="rId18" imgW="190440" imgH="241200" progId="Equation.3">
                   <p:embed/>
                 </p:oleObj>
               </mc:Choice>
@@ -13502,7 +13523,7 @@
           <a:graphicData uri="http://schemas.openxmlformats.org/presentationml/2006/ole">
             <mc:AlternateContent xmlns:mc="http://schemas.openxmlformats.org/markup-compatibility/2006">
               <mc:Choice xmlns:v="urn:schemas-microsoft-com:vml" Requires="v">
-                <p:oleObj spid="_x0000_s2266" name="Equation" r:id="rId20" imgW="177480" imgH="241200" progId="Equation.3">
+                <p:oleObj spid="_x0000_s2292" name="Equation" r:id="rId20" imgW="177480" imgH="241200" progId="Equation.3">
                   <p:embed/>
                 </p:oleObj>
               </mc:Choice>
@@ -13555,7 +13576,7 @@
           <a:graphicData uri="http://schemas.openxmlformats.org/presentationml/2006/ole">
             <mc:AlternateContent xmlns:mc="http://schemas.openxmlformats.org/markup-compatibility/2006">
               <mc:Choice xmlns:v="urn:schemas-microsoft-com:vml" Requires="v">
-                <p:oleObj spid="_x0000_s2267" name="Equation" r:id="rId22" imgW="203040" imgH="241200" progId="Equation.3">
+                <p:oleObj spid="_x0000_s2293" name="Equation" r:id="rId22" imgW="203040" imgH="241200" progId="Equation.3">
                   <p:embed/>
                 </p:oleObj>
               </mc:Choice>
@@ -13608,7 +13629,7 @@
           <a:graphicData uri="http://schemas.openxmlformats.org/presentationml/2006/ole">
             <mc:AlternateContent xmlns:mc="http://schemas.openxmlformats.org/markup-compatibility/2006">
               <mc:Choice xmlns:v="urn:schemas-microsoft-com:vml" Requires="v">
-                <p:oleObj spid="_x0000_s2268" name="Equation" r:id="rId24" imgW="177480" imgH="241200" progId="Equation.3">
+                <p:oleObj spid="_x0000_s2294" name="Equation" r:id="rId24" imgW="177480" imgH="241200" progId="Equation.3">
                   <p:embed/>
                 </p:oleObj>
               </mc:Choice>
@@ -13661,7 +13682,7 @@
           <a:graphicData uri="http://schemas.openxmlformats.org/presentationml/2006/ole">
             <mc:AlternateContent xmlns:mc="http://schemas.openxmlformats.org/markup-compatibility/2006">
               <mc:Choice xmlns:v="urn:schemas-microsoft-com:vml" Requires="v">
-                <p:oleObj spid="_x0000_s2269" name="Equation" r:id="rId26" imgW="304560" imgH="241200" progId="Equation.3">
+                <p:oleObj spid="_x0000_s2295" name="Equation" r:id="rId26" imgW="304560" imgH="241200" progId="Equation.3">
                   <p:embed/>
                 </p:oleObj>
               </mc:Choice>
@@ -13714,7 +13735,7 @@
           <a:graphicData uri="http://schemas.openxmlformats.org/presentationml/2006/ole">
             <mc:AlternateContent xmlns:mc="http://schemas.openxmlformats.org/markup-compatibility/2006">
               <mc:Choice xmlns:v="urn:schemas-microsoft-com:vml" Requires="v">
-                <p:oleObj spid="_x0000_s2270" name="Equation" r:id="rId28" imgW="2641320" imgH="495000" progId="Equation.3">
+                <p:oleObj spid="_x0000_s2296" name="Equation" r:id="rId28" imgW="2641320" imgH="495000" progId="Equation.3">
                   <p:embed/>
                 </p:oleObj>
               </mc:Choice>
@@ -14710,7 +14731,7 @@
           <a:graphicData uri="http://schemas.openxmlformats.org/presentationml/2006/ole">
             <mc:AlternateContent xmlns:mc="http://schemas.openxmlformats.org/markup-compatibility/2006">
               <mc:Choice xmlns:v="urn:schemas-microsoft-com:vml" Requires="v">
-                <p:oleObj spid="_x0000_s1234" name="Equation" r:id="rId4" imgW="139680" imgH="152280" progId="Equation.3">
+                <p:oleObj spid="_x0000_s1260" name="Equation" r:id="rId4" imgW="139680" imgH="152280" progId="Equation.3">
                   <p:embed/>
                 </p:oleObj>
               </mc:Choice>
@@ -14763,7 +14784,7 @@
           <a:graphicData uri="http://schemas.openxmlformats.org/presentationml/2006/ole">
             <mc:AlternateContent xmlns:mc="http://schemas.openxmlformats.org/markup-compatibility/2006">
               <mc:Choice xmlns:v="urn:schemas-microsoft-com:vml" Requires="v">
-                <p:oleObj spid="_x0000_s1235" name="Equation" r:id="rId6" imgW="152280" imgH="190440" progId="Equation.3">
+                <p:oleObj spid="_x0000_s1261" name="Equation" r:id="rId6" imgW="152280" imgH="190440" progId="Equation.3">
                   <p:embed/>
                 </p:oleObj>
               </mc:Choice>
@@ -15184,7 +15205,7 @@
           <a:graphicData uri="http://schemas.openxmlformats.org/presentationml/2006/ole">
             <mc:AlternateContent xmlns:mc="http://schemas.openxmlformats.org/markup-compatibility/2006">
               <mc:Choice xmlns:v="urn:schemas-microsoft-com:vml" Requires="v">
-                <p:oleObj spid="_x0000_s1236" name="Equation" r:id="rId8" imgW="190440" imgH="241200" progId="Equation.3">
+                <p:oleObj spid="_x0000_s1262" name="Equation" r:id="rId8" imgW="190440" imgH="241200" progId="Equation.3">
                   <p:embed/>
                 </p:oleObj>
               </mc:Choice>
@@ -15237,7 +15258,7 @@
           <a:graphicData uri="http://schemas.openxmlformats.org/presentationml/2006/ole">
             <mc:AlternateContent xmlns:mc="http://schemas.openxmlformats.org/markup-compatibility/2006">
               <mc:Choice xmlns:v="urn:schemas-microsoft-com:vml" Requires="v">
-                <p:oleObj spid="_x0000_s1237" name="Equation" r:id="rId10" imgW="164880" imgH="241200" progId="Equation.3">
+                <p:oleObj spid="_x0000_s1263" name="Equation" r:id="rId10" imgW="164880" imgH="241200" progId="Equation.3">
                   <p:embed/>
                 </p:oleObj>
               </mc:Choice>
@@ -15290,7 +15311,7 @@
           <a:graphicData uri="http://schemas.openxmlformats.org/presentationml/2006/ole">
             <mc:AlternateContent xmlns:mc="http://schemas.openxmlformats.org/markup-compatibility/2006">
               <mc:Choice xmlns:v="urn:schemas-microsoft-com:vml" Requires="v">
-                <p:oleObj spid="_x0000_s1238" name="Equation" r:id="rId12" imgW="190440" imgH="241200" progId="Equation.3">
+                <p:oleObj spid="_x0000_s1264" name="Equation" r:id="rId12" imgW="190440" imgH="241200" progId="Equation.3">
                   <p:embed/>
                 </p:oleObj>
               </mc:Choice>
@@ -15343,7 +15364,7 @@
           <a:graphicData uri="http://schemas.openxmlformats.org/presentationml/2006/ole">
             <mc:AlternateContent xmlns:mc="http://schemas.openxmlformats.org/markup-compatibility/2006">
               <mc:Choice xmlns:v="urn:schemas-microsoft-com:vml" Requires="v">
-                <p:oleObj spid="_x0000_s1239" name="Equation" r:id="rId14" imgW="164880" imgH="241200" progId="Equation.3">
+                <p:oleObj spid="_x0000_s1265" name="Equation" r:id="rId14" imgW="164880" imgH="241200" progId="Equation.3">
                   <p:embed/>
                 </p:oleObj>
               </mc:Choice>
@@ -15396,7 +15417,7 @@
           <a:graphicData uri="http://schemas.openxmlformats.org/presentationml/2006/ole">
             <mc:AlternateContent xmlns:mc="http://schemas.openxmlformats.org/markup-compatibility/2006">
               <mc:Choice xmlns:v="urn:schemas-microsoft-com:vml" Requires="v">
-                <p:oleObj spid="_x0000_s1240" name="Equation" r:id="rId16" imgW="190440" imgH="241200" progId="Equation.3">
+                <p:oleObj spid="_x0000_s1266" name="Equation" r:id="rId16" imgW="190440" imgH="241200" progId="Equation.3">
                   <p:embed/>
                 </p:oleObj>
               </mc:Choice>
@@ -15449,7 +15470,7 @@
           <a:graphicData uri="http://schemas.openxmlformats.org/presentationml/2006/ole">
             <mc:AlternateContent xmlns:mc="http://schemas.openxmlformats.org/markup-compatibility/2006">
               <mc:Choice xmlns:v="urn:schemas-microsoft-com:vml" Requires="v">
-                <p:oleObj spid="_x0000_s1241" name="Equation" r:id="rId18" imgW="190440" imgH="241200" progId="Equation.3">
+                <p:oleObj spid="_x0000_s1267" name="Equation" r:id="rId18" imgW="190440" imgH="241200" progId="Equation.3">
                   <p:embed/>
                 </p:oleObj>
               </mc:Choice>
@@ -15502,7 +15523,7 @@
           <a:graphicData uri="http://schemas.openxmlformats.org/presentationml/2006/ole">
             <mc:AlternateContent xmlns:mc="http://schemas.openxmlformats.org/markup-compatibility/2006">
               <mc:Choice xmlns:v="urn:schemas-microsoft-com:vml" Requires="v">
-                <p:oleObj spid="_x0000_s1242" name="Equation" r:id="rId20" imgW="177480" imgH="241200" progId="Equation.3">
+                <p:oleObj spid="_x0000_s1268" name="Equation" r:id="rId20" imgW="177480" imgH="241200" progId="Equation.3">
                   <p:embed/>
                 </p:oleObj>
               </mc:Choice>
@@ -15555,7 +15576,7 @@
           <a:graphicData uri="http://schemas.openxmlformats.org/presentationml/2006/ole">
             <mc:AlternateContent xmlns:mc="http://schemas.openxmlformats.org/markup-compatibility/2006">
               <mc:Choice xmlns:v="urn:schemas-microsoft-com:vml" Requires="v">
-                <p:oleObj spid="_x0000_s1243" name="Equation" r:id="rId22" imgW="203040" imgH="241200" progId="Equation.3">
+                <p:oleObj spid="_x0000_s1269" name="Equation" r:id="rId22" imgW="203040" imgH="241200" progId="Equation.3">
                   <p:embed/>
                 </p:oleObj>
               </mc:Choice>
@@ -15608,7 +15629,7 @@
           <a:graphicData uri="http://schemas.openxmlformats.org/presentationml/2006/ole">
             <mc:AlternateContent xmlns:mc="http://schemas.openxmlformats.org/markup-compatibility/2006">
               <mc:Choice xmlns:v="urn:schemas-microsoft-com:vml" Requires="v">
-                <p:oleObj spid="_x0000_s1244" name="Equation" r:id="rId24" imgW="177480" imgH="241200" progId="Equation.3">
+                <p:oleObj spid="_x0000_s1270" name="Equation" r:id="rId24" imgW="177480" imgH="241200" progId="Equation.3">
                   <p:embed/>
                 </p:oleObj>
               </mc:Choice>
@@ -15661,7 +15682,7 @@
           <a:graphicData uri="http://schemas.openxmlformats.org/presentationml/2006/ole">
             <mc:AlternateContent xmlns:mc="http://schemas.openxmlformats.org/markup-compatibility/2006">
               <mc:Choice xmlns:v="urn:schemas-microsoft-com:vml" Requires="v">
-                <p:oleObj spid="_x0000_s1245" name="Equation" r:id="rId26" imgW="304560" imgH="241200" progId="Equation.3">
+                <p:oleObj spid="_x0000_s1271" name="Equation" r:id="rId26" imgW="304560" imgH="241200" progId="Equation.3">
                   <p:embed/>
                 </p:oleObj>
               </mc:Choice>
@@ -15714,7 +15735,7 @@
           <a:graphicData uri="http://schemas.openxmlformats.org/presentationml/2006/ole">
             <mc:AlternateContent xmlns:mc="http://schemas.openxmlformats.org/markup-compatibility/2006">
               <mc:Choice xmlns:v="urn:schemas-microsoft-com:vml" Requires="v">
-                <p:oleObj spid="_x0000_s1246" name="Equation" r:id="rId28" imgW="3136680" imgH="495000" progId="Equation.3">
+                <p:oleObj spid="_x0000_s1272" name="Equation" r:id="rId28" imgW="3136680" imgH="495000" progId="Equation.3">
                   <p:embed/>
                 </p:oleObj>
               </mc:Choice>
@@ -15842,7 +15863,7 @@
           <a:graphicData uri="http://schemas.openxmlformats.org/presentationml/2006/ole">
             <mc:AlternateContent xmlns:mc="http://schemas.openxmlformats.org/markup-compatibility/2006">
               <mc:Choice xmlns:v="urn:schemas-microsoft-com:vml" Requires="v">
-                <p:oleObj spid="_x0000_s3090" name="Equation" r:id="rId4" imgW="3314520" imgH="495000" progId="Equation.3">
+                <p:oleObj spid="_x0000_s3092" name="Equation" r:id="rId4" imgW="3314520" imgH="495000" progId="Equation.3">
                   <p:embed/>
                 </p:oleObj>
               </mc:Choice>
@@ -16019,9 +16040,6 @@
               </a:rPr>
               <a:t>убрать «мусорные» слова (стоп слова),</a:t>
             </a:r>
-            <a:endParaRPr lang="ru-RU" sz="2400" dirty="0" smtClean="0">
-              <a:latin typeface="Bookman Old Style" panose="02050604050505020204" pitchFamily="18" charset="0"/>
-            </a:endParaRPr>
           </a:p>
           <a:p>
             <a:pPr marL="457200" indent="-457200" algn="just">
@@ -16073,9 +16091,6 @@
               </a:rPr>
               <a:t>отсортировать слова в порядке возрастания / убывания частоты, </a:t>
             </a:r>
-            <a:endParaRPr lang="ru-RU" sz="2400" dirty="0" smtClean="0">
-              <a:latin typeface="Bookman Old Style" panose="02050604050505020204" pitchFamily="18" charset="0"/>
-            </a:endParaRPr>
           </a:p>
           <a:p>
             <a:pPr marL="457200" indent="-457200" algn="just">
@@ -16120,7 +16135,7 @@
           <p:cNvPr id="4" name="Rectangle 28" descr="Светлый диагональный 2">
             <a:extLst>
               <a:ext uri="{FF2B5EF4-FFF2-40B4-BE49-F238E27FC236}">
-                <a16:creationId xmlns:a16="http://schemas.microsoft.com/office/drawing/2014/main" xmlns="" id="{2A0E99F7-A4CC-4E8F-8C74-D6A03276576B}"/>
+                <a16:creationId xmlns:a16="http://schemas.microsoft.com/office/drawing/2014/main" id="{2A0E99F7-A4CC-4E8F-8C74-D6A03276576B}"/>
               </a:ext>
             </a:extLst>
           </p:cNvPr>
@@ -16286,7 +16301,7 @@
           <a:graphicData uri="http://schemas.openxmlformats.org/presentationml/2006/ole">
             <mc:AlternateContent xmlns:mc="http://schemas.openxmlformats.org/markup-compatibility/2006">
               <mc:Choice xmlns:v="urn:schemas-microsoft-com:vml" Requires="v">
-                <p:oleObj spid="_x0000_s4114" name="Equation" r:id="rId4" imgW="4686120" imgH="520560" progId="Equation.3">
+                <p:oleObj spid="_x0000_s4116" name="Equation" r:id="rId4" imgW="4686120" imgH="520560" progId="Equation.3">
                   <p:embed/>
                 </p:oleObj>
               </mc:Choice>
@@ -16504,7 +16519,7 @@
           <a:graphicData uri="http://schemas.openxmlformats.org/presentationml/2006/ole">
             <mc:AlternateContent xmlns:mc="http://schemas.openxmlformats.org/markup-compatibility/2006">
               <mc:Choice xmlns:v="urn:schemas-microsoft-com:vml" Requires="v">
-                <p:oleObj spid="_x0000_s5170" name="Equation" r:id="rId4" imgW="1904760" imgH="431640" progId="Equation.3">
+                <p:oleObj spid="_x0000_s5176" name="Equation" r:id="rId4" imgW="1904760" imgH="431640" progId="Equation.3">
                   <p:embed/>
                 </p:oleObj>
               </mc:Choice>
@@ -16601,7 +16616,7 @@
           <a:graphicData uri="http://schemas.openxmlformats.org/presentationml/2006/ole">
             <mc:AlternateContent xmlns:mc="http://schemas.openxmlformats.org/markup-compatibility/2006">
               <mc:Choice xmlns:v="urn:schemas-microsoft-com:vml" Requires="v">
-                <p:oleObj spid="_x0000_s5171" name="Equation" r:id="rId6" imgW="2247840" imgH="495000" progId="Equation.3">
+                <p:oleObj spid="_x0000_s5177" name="Equation" r:id="rId6" imgW="2247840" imgH="495000" progId="Equation.3">
                   <p:embed/>
                 </p:oleObj>
               </mc:Choice>
@@ -16710,7 +16725,7 @@
           <a:graphicData uri="http://schemas.openxmlformats.org/presentationml/2006/ole">
             <mc:AlternateContent xmlns:mc="http://schemas.openxmlformats.org/markup-compatibility/2006">
               <mc:Choice xmlns:v="urn:schemas-microsoft-com:vml" Requires="v">
-                <p:oleObj spid="_x0000_s5172" name="Equation" r:id="rId8" imgW="2603160" imgH="495000" progId="Equation.3">
+                <p:oleObj spid="_x0000_s5178" name="Equation" r:id="rId8" imgW="2603160" imgH="495000" progId="Equation.3">
                   <p:embed/>
                 </p:oleObj>
               </mc:Choice>
@@ -20216,7 +20231,7 @@
           <a:graphicData uri="http://schemas.openxmlformats.org/presentationml/2006/ole">
             <mc:AlternateContent xmlns:mc="http://schemas.openxmlformats.org/markup-compatibility/2006">
               <mc:Choice xmlns:v="urn:schemas-microsoft-com:vml" Requires="v">
-                <p:oleObj spid="_x0000_s6162" name="Уравнение" r:id="rId4" imgW="774360" imgH="266400" progId="Equation.3">
+                <p:oleObj spid="_x0000_s6164" name="Уравнение" r:id="rId4" imgW="774360" imgH="266400" progId="Equation.3">
                   <p:embed/>
                 </p:oleObj>
               </mc:Choice>
@@ -23061,19 +23076,7 @@
               <a:rPr lang="ru-RU" sz="2400" dirty="0" smtClean="0">
                 <a:latin typeface="Bookman Old Style" panose="02050604050505020204" pitchFamily="18" charset="0"/>
               </a:rPr>
-              <a:t>1. Загрузим </a:t>
-            </a:r>
-            <a:r>
-              <a:rPr lang="ru-RU" sz="2400" dirty="0" smtClean="0">
-                <a:latin typeface="Bookman Old Style" panose="02050604050505020204" pitchFamily="18" charset="0"/>
-              </a:rPr>
-              <a:t>текст и посчитаем количество предложений</a:t>
-            </a:r>
-            <a:r>
-              <a:rPr lang="ru-RU" sz="2400" dirty="0" smtClean="0">
-                <a:latin typeface="Bookman Old Style" panose="02050604050505020204" pitchFamily="18" charset="0"/>
-              </a:rPr>
-              <a:t>:</a:t>
+              <a:t>1. Загрузим текст и посчитаем количество предложений:</a:t>
             </a:r>
           </a:p>
           <a:p>

--- a/Лекции/ИТиП лек 5.pptx
+++ b/Лекции/ИТиП лек 5.pptx
@@ -237,7 +237,7 @@
             <a:fld id="{AA2F9473-F066-431E-A6E8-1D478C995A6B}" type="datetimeFigureOut">
               <a:rPr lang="en-US" smtClean="0"/>
               <a:pPr/>
-              <a:t>11/28/2024</a:t>
+              <a:t>3/11/2025</a:t>
             </a:fld>
             <a:endParaRPr lang="en-US"/>
           </a:p>
@@ -12731,7 +12731,7 @@
           <a:graphicData uri="http://schemas.openxmlformats.org/presentationml/2006/ole">
             <mc:AlternateContent xmlns:mc="http://schemas.openxmlformats.org/markup-compatibility/2006">
               <mc:Choice xmlns:v="urn:schemas-microsoft-com:vml" Requires="v">
-                <p:oleObj spid="_x0000_s2284" name="Equation" r:id="rId4" imgW="139680" imgH="152280" progId="Equation.3">
+                <p:oleObj spid="_x0000_s2297" name="Equation" r:id="rId4" imgW="139680" imgH="152280" progId="Equation.3">
                   <p:embed/>
                 </p:oleObj>
               </mc:Choice>
@@ -12784,7 +12784,7 @@
           <a:graphicData uri="http://schemas.openxmlformats.org/presentationml/2006/ole">
             <mc:AlternateContent xmlns:mc="http://schemas.openxmlformats.org/markup-compatibility/2006">
               <mc:Choice xmlns:v="urn:schemas-microsoft-com:vml" Requires="v">
-                <p:oleObj spid="_x0000_s2285" name="Equation" r:id="rId6" imgW="152280" imgH="190440" progId="Equation.3">
+                <p:oleObj spid="_x0000_s2298" name="Equation" r:id="rId6" imgW="152280" imgH="190440" progId="Equation.3">
                   <p:embed/>
                 </p:oleObj>
               </mc:Choice>
@@ -13205,7 +13205,7 @@
           <a:graphicData uri="http://schemas.openxmlformats.org/presentationml/2006/ole">
             <mc:AlternateContent xmlns:mc="http://schemas.openxmlformats.org/markup-compatibility/2006">
               <mc:Choice xmlns:v="urn:schemas-microsoft-com:vml" Requires="v">
-                <p:oleObj spid="_x0000_s2286" name="Equation" r:id="rId8" imgW="190440" imgH="241200" progId="Equation.3">
+                <p:oleObj spid="_x0000_s2299" name="Equation" r:id="rId8" imgW="190440" imgH="241200" progId="Equation.3">
                   <p:embed/>
                 </p:oleObj>
               </mc:Choice>
@@ -13258,7 +13258,7 @@
           <a:graphicData uri="http://schemas.openxmlformats.org/presentationml/2006/ole">
             <mc:AlternateContent xmlns:mc="http://schemas.openxmlformats.org/markup-compatibility/2006">
               <mc:Choice xmlns:v="urn:schemas-microsoft-com:vml" Requires="v">
-                <p:oleObj spid="_x0000_s2287" name="Equation" r:id="rId10" imgW="164880" imgH="241200" progId="Equation.3">
+                <p:oleObj spid="_x0000_s2300" name="Equation" r:id="rId10" imgW="164880" imgH="241200" progId="Equation.3">
                   <p:embed/>
                 </p:oleObj>
               </mc:Choice>
@@ -13311,7 +13311,7 @@
           <a:graphicData uri="http://schemas.openxmlformats.org/presentationml/2006/ole">
             <mc:AlternateContent xmlns:mc="http://schemas.openxmlformats.org/markup-compatibility/2006">
               <mc:Choice xmlns:v="urn:schemas-microsoft-com:vml" Requires="v">
-                <p:oleObj spid="_x0000_s2288" name="Equation" r:id="rId12" imgW="190440" imgH="241200" progId="Equation.3">
+                <p:oleObj spid="_x0000_s2301" name="Equation" r:id="rId12" imgW="190440" imgH="241200" progId="Equation.3">
                   <p:embed/>
                 </p:oleObj>
               </mc:Choice>
@@ -13364,7 +13364,7 @@
           <a:graphicData uri="http://schemas.openxmlformats.org/presentationml/2006/ole">
             <mc:AlternateContent xmlns:mc="http://schemas.openxmlformats.org/markup-compatibility/2006">
               <mc:Choice xmlns:v="urn:schemas-microsoft-com:vml" Requires="v">
-                <p:oleObj spid="_x0000_s2289" name="Equation" r:id="rId14" imgW="164880" imgH="241200" progId="Equation.3">
+                <p:oleObj spid="_x0000_s2302" name="Equation" r:id="rId14" imgW="164880" imgH="241200" progId="Equation.3">
                   <p:embed/>
                 </p:oleObj>
               </mc:Choice>
@@ -13417,7 +13417,7 @@
           <a:graphicData uri="http://schemas.openxmlformats.org/presentationml/2006/ole">
             <mc:AlternateContent xmlns:mc="http://schemas.openxmlformats.org/markup-compatibility/2006">
               <mc:Choice xmlns:v="urn:schemas-microsoft-com:vml" Requires="v">
-                <p:oleObj spid="_x0000_s2290" name="Equation" r:id="rId16" imgW="190440" imgH="241200" progId="Equation.3">
+                <p:oleObj spid="_x0000_s2303" name="Equation" r:id="rId16" imgW="190440" imgH="241200" progId="Equation.3">
                   <p:embed/>
                 </p:oleObj>
               </mc:Choice>
@@ -13470,7 +13470,7 @@
           <a:graphicData uri="http://schemas.openxmlformats.org/presentationml/2006/ole">
             <mc:AlternateContent xmlns:mc="http://schemas.openxmlformats.org/markup-compatibility/2006">
               <mc:Choice xmlns:v="urn:schemas-microsoft-com:vml" Requires="v">
-                <p:oleObj spid="_x0000_s2291" name="Equation" r:id="rId18" imgW="190440" imgH="241200" progId="Equation.3">
+                <p:oleObj spid="_x0000_s2304" name="Equation" r:id="rId18" imgW="190440" imgH="241200" progId="Equation.3">
                   <p:embed/>
                 </p:oleObj>
               </mc:Choice>
@@ -13523,7 +13523,7 @@
           <a:graphicData uri="http://schemas.openxmlformats.org/presentationml/2006/ole">
             <mc:AlternateContent xmlns:mc="http://schemas.openxmlformats.org/markup-compatibility/2006">
               <mc:Choice xmlns:v="urn:schemas-microsoft-com:vml" Requires="v">
-                <p:oleObj spid="_x0000_s2292" name="Equation" r:id="rId20" imgW="177480" imgH="241200" progId="Equation.3">
+                <p:oleObj spid="_x0000_s2305" name="Equation" r:id="rId20" imgW="177480" imgH="241200" progId="Equation.3">
                   <p:embed/>
                 </p:oleObj>
               </mc:Choice>
@@ -13576,7 +13576,7 @@
           <a:graphicData uri="http://schemas.openxmlformats.org/presentationml/2006/ole">
             <mc:AlternateContent xmlns:mc="http://schemas.openxmlformats.org/markup-compatibility/2006">
               <mc:Choice xmlns:v="urn:schemas-microsoft-com:vml" Requires="v">
-                <p:oleObj spid="_x0000_s2293" name="Equation" r:id="rId22" imgW="203040" imgH="241200" progId="Equation.3">
+                <p:oleObj spid="_x0000_s2306" name="Equation" r:id="rId22" imgW="203040" imgH="241200" progId="Equation.3">
                   <p:embed/>
                 </p:oleObj>
               </mc:Choice>
@@ -13629,7 +13629,7 @@
           <a:graphicData uri="http://schemas.openxmlformats.org/presentationml/2006/ole">
             <mc:AlternateContent xmlns:mc="http://schemas.openxmlformats.org/markup-compatibility/2006">
               <mc:Choice xmlns:v="urn:schemas-microsoft-com:vml" Requires="v">
-                <p:oleObj spid="_x0000_s2294" name="Equation" r:id="rId24" imgW="177480" imgH="241200" progId="Equation.3">
+                <p:oleObj spid="_x0000_s2307" name="Equation" r:id="rId24" imgW="177480" imgH="241200" progId="Equation.3">
                   <p:embed/>
                 </p:oleObj>
               </mc:Choice>
@@ -13682,7 +13682,7 @@
           <a:graphicData uri="http://schemas.openxmlformats.org/presentationml/2006/ole">
             <mc:AlternateContent xmlns:mc="http://schemas.openxmlformats.org/markup-compatibility/2006">
               <mc:Choice xmlns:v="urn:schemas-microsoft-com:vml" Requires="v">
-                <p:oleObj spid="_x0000_s2295" name="Equation" r:id="rId26" imgW="304560" imgH="241200" progId="Equation.3">
+                <p:oleObj spid="_x0000_s2308" name="Equation" r:id="rId26" imgW="304560" imgH="241200" progId="Equation.3">
                   <p:embed/>
                 </p:oleObj>
               </mc:Choice>
@@ -13735,7 +13735,7 @@
           <a:graphicData uri="http://schemas.openxmlformats.org/presentationml/2006/ole">
             <mc:AlternateContent xmlns:mc="http://schemas.openxmlformats.org/markup-compatibility/2006">
               <mc:Choice xmlns:v="urn:schemas-microsoft-com:vml" Requires="v">
-                <p:oleObj spid="_x0000_s2296" name="Equation" r:id="rId28" imgW="2641320" imgH="495000" progId="Equation.3">
+                <p:oleObj spid="_x0000_s2309" name="Equation" r:id="rId28" imgW="2641320" imgH="495000" progId="Equation.3">
                   <p:embed/>
                 </p:oleObj>
               </mc:Choice>
@@ -14731,7 +14731,7 @@
           <a:graphicData uri="http://schemas.openxmlformats.org/presentationml/2006/ole">
             <mc:AlternateContent xmlns:mc="http://schemas.openxmlformats.org/markup-compatibility/2006">
               <mc:Choice xmlns:v="urn:schemas-microsoft-com:vml" Requires="v">
-                <p:oleObj spid="_x0000_s1260" name="Equation" r:id="rId4" imgW="139680" imgH="152280" progId="Equation.3">
+                <p:oleObj spid="_x0000_s1273" name="Equation" r:id="rId4" imgW="139680" imgH="152280" progId="Equation.3">
                   <p:embed/>
                 </p:oleObj>
               </mc:Choice>
@@ -14784,7 +14784,7 @@
           <a:graphicData uri="http://schemas.openxmlformats.org/presentationml/2006/ole">
             <mc:AlternateContent xmlns:mc="http://schemas.openxmlformats.org/markup-compatibility/2006">
               <mc:Choice xmlns:v="urn:schemas-microsoft-com:vml" Requires="v">
-                <p:oleObj spid="_x0000_s1261" name="Equation" r:id="rId6" imgW="152280" imgH="190440" progId="Equation.3">
+                <p:oleObj spid="_x0000_s1274" name="Equation" r:id="rId6" imgW="152280" imgH="190440" progId="Equation.3">
                   <p:embed/>
                 </p:oleObj>
               </mc:Choice>
@@ -15205,7 +15205,7 @@
           <a:graphicData uri="http://schemas.openxmlformats.org/presentationml/2006/ole">
             <mc:AlternateContent xmlns:mc="http://schemas.openxmlformats.org/markup-compatibility/2006">
               <mc:Choice xmlns:v="urn:schemas-microsoft-com:vml" Requires="v">
-                <p:oleObj spid="_x0000_s1262" name="Equation" r:id="rId8" imgW="190440" imgH="241200" progId="Equation.3">
+                <p:oleObj spid="_x0000_s1275" name="Equation" r:id="rId8" imgW="190440" imgH="241200" progId="Equation.3">
                   <p:embed/>
                 </p:oleObj>
               </mc:Choice>
@@ -15258,7 +15258,7 @@
           <a:graphicData uri="http://schemas.openxmlformats.org/presentationml/2006/ole">
             <mc:AlternateContent xmlns:mc="http://schemas.openxmlformats.org/markup-compatibility/2006">
               <mc:Choice xmlns:v="urn:schemas-microsoft-com:vml" Requires="v">
-                <p:oleObj spid="_x0000_s1263" name="Equation" r:id="rId10" imgW="164880" imgH="241200" progId="Equation.3">
+                <p:oleObj spid="_x0000_s1276" name="Equation" r:id="rId10" imgW="164880" imgH="241200" progId="Equation.3">
                   <p:embed/>
                 </p:oleObj>
               </mc:Choice>
@@ -15311,7 +15311,7 @@
           <a:graphicData uri="http://schemas.openxmlformats.org/presentationml/2006/ole">
             <mc:AlternateContent xmlns:mc="http://schemas.openxmlformats.org/markup-compatibility/2006">
               <mc:Choice xmlns:v="urn:schemas-microsoft-com:vml" Requires="v">
-                <p:oleObj spid="_x0000_s1264" name="Equation" r:id="rId12" imgW="190440" imgH="241200" progId="Equation.3">
+                <p:oleObj spid="_x0000_s1277" name="Equation" r:id="rId12" imgW="190440" imgH="241200" progId="Equation.3">
                   <p:embed/>
                 </p:oleObj>
               </mc:Choice>
@@ -15364,7 +15364,7 @@
           <a:graphicData uri="http://schemas.openxmlformats.org/presentationml/2006/ole">
             <mc:AlternateContent xmlns:mc="http://schemas.openxmlformats.org/markup-compatibility/2006">
               <mc:Choice xmlns:v="urn:schemas-microsoft-com:vml" Requires="v">
-                <p:oleObj spid="_x0000_s1265" name="Equation" r:id="rId14" imgW="164880" imgH="241200" progId="Equation.3">
+                <p:oleObj spid="_x0000_s1278" name="Equation" r:id="rId14" imgW="164880" imgH="241200" progId="Equation.3">
                   <p:embed/>
                 </p:oleObj>
               </mc:Choice>
@@ -15417,7 +15417,7 @@
           <a:graphicData uri="http://schemas.openxmlformats.org/presentationml/2006/ole">
             <mc:AlternateContent xmlns:mc="http://schemas.openxmlformats.org/markup-compatibility/2006">
               <mc:Choice xmlns:v="urn:schemas-microsoft-com:vml" Requires="v">
-                <p:oleObj spid="_x0000_s1266" name="Equation" r:id="rId16" imgW="190440" imgH="241200" progId="Equation.3">
+                <p:oleObj spid="_x0000_s1279" name="Equation" r:id="rId16" imgW="190440" imgH="241200" progId="Equation.3">
                   <p:embed/>
                 </p:oleObj>
               </mc:Choice>
@@ -15470,7 +15470,7 @@
           <a:graphicData uri="http://schemas.openxmlformats.org/presentationml/2006/ole">
             <mc:AlternateContent xmlns:mc="http://schemas.openxmlformats.org/markup-compatibility/2006">
               <mc:Choice xmlns:v="urn:schemas-microsoft-com:vml" Requires="v">
-                <p:oleObj spid="_x0000_s1267" name="Equation" r:id="rId18" imgW="190440" imgH="241200" progId="Equation.3">
+                <p:oleObj spid="_x0000_s1280" name="Equation" r:id="rId18" imgW="190440" imgH="241200" progId="Equation.3">
                   <p:embed/>
                 </p:oleObj>
               </mc:Choice>
@@ -15523,7 +15523,7 @@
           <a:graphicData uri="http://schemas.openxmlformats.org/presentationml/2006/ole">
             <mc:AlternateContent xmlns:mc="http://schemas.openxmlformats.org/markup-compatibility/2006">
               <mc:Choice xmlns:v="urn:schemas-microsoft-com:vml" Requires="v">
-                <p:oleObj spid="_x0000_s1268" name="Equation" r:id="rId20" imgW="177480" imgH="241200" progId="Equation.3">
+                <p:oleObj spid="_x0000_s1281" name="Equation" r:id="rId20" imgW="177480" imgH="241200" progId="Equation.3">
                   <p:embed/>
                 </p:oleObj>
               </mc:Choice>
@@ -15576,7 +15576,7 @@
           <a:graphicData uri="http://schemas.openxmlformats.org/presentationml/2006/ole">
             <mc:AlternateContent xmlns:mc="http://schemas.openxmlformats.org/markup-compatibility/2006">
               <mc:Choice xmlns:v="urn:schemas-microsoft-com:vml" Requires="v">
-                <p:oleObj spid="_x0000_s1269" name="Equation" r:id="rId22" imgW="203040" imgH="241200" progId="Equation.3">
+                <p:oleObj spid="_x0000_s1282" name="Equation" r:id="rId22" imgW="203040" imgH="241200" progId="Equation.3">
                   <p:embed/>
                 </p:oleObj>
               </mc:Choice>
@@ -15629,7 +15629,7 @@
           <a:graphicData uri="http://schemas.openxmlformats.org/presentationml/2006/ole">
             <mc:AlternateContent xmlns:mc="http://schemas.openxmlformats.org/markup-compatibility/2006">
               <mc:Choice xmlns:v="urn:schemas-microsoft-com:vml" Requires="v">
-                <p:oleObj spid="_x0000_s1270" name="Equation" r:id="rId24" imgW="177480" imgH="241200" progId="Equation.3">
+                <p:oleObj spid="_x0000_s1283" name="Equation" r:id="rId24" imgW="177480" imgH="241200" progId="Equation.3">
                   <p:embed/>
                 </p:oleObj>
               </mc:Choice>
@@ -15682,7 +15682,7 @@
           <a:graphicData uri="http://schemas.openxmlformats.org/presentationml/2006/ole">
             <mc:AlternateContent xmlns:mc="http://schemas.openxmlformats.org/markup-compatibility/2006">
               <mc:Choice xmlns:v="urn:schemas-microsoft-com:vml" Requires="v">
-                <p:oleObj spid="_x0000_s1271" name="Equation" r:id="rId26" imgW="304560" imgH="241200" progId="Equation.3">
+                <p:oleObj spid="_x0000_s1284" name="Equation" r:id="rId26" imgW="304560" imgH="241200" progId="Equation.3">
                   <p:embed/>
                 </p:oleObj>
               </mc:Choice>
@@ -15735,7 +15735,7 @@
           <a:graphicData uri="http://schemas.openxmlformats.org/presentationml/2006/ole">
             <mc:AlternateContent xmlns:mc="http://schemas.openxmlformats.org/markup-compatibility/2006">
               <mc:Choice xmlns:v="urn:schemas-microsoft-com:vml" Requires="v">
-                <p:oleObj spid="_x0000_s1272" name="Equation" r:id="rId28" imgW="3136680" imgH="495000" progId="Equation.3">
+                <p:oleObj spid="_x0000_s1285" name="Equation" r:id="rId28" imgW="3136680" imgH="495000" progId="Equation.3">
                   <p:embed/>
                 </p:oleObj>
               </mc:Choice>
@@ -15863,7 +15863,7 @@
           <a:graphicData uri="http://schemas.openxmlformats.org/presentationml/2006/ole">
             <mc:AlternateContent xmlns:mc="http://schemas.openxmlformats.org/markup-compatibility/2006">
               <mc:Choice xmlns:v="urn:schemas-microsoft-com:vml" Requires="v">
-                <p:oleObj spid="_x0000_s3092" name="Equation" r:id="rId4" imgW="3314520" imgH="495000" progId="Equation.3">
+                <p:oleObj spid="_x0000_s3093" name="Equation" r:id="rId4" imgW="3314520" imgH="495000" progId="Equation.3">
                   <p:embed/>
                 </p:oleObj>
               </mc:Choice>
@@ -16301,7 +16301,7 @@
           <a:graphicData uri="http://schemas.openxmlformats.org/presentationml/2006/ole">
             <mc:AlternateContent xmlns:mc="http://schemas.openxmlformats.org/markup-compatibility/2006">
               <mc:Choice xmlns:v="urn:schemas-microsoft-com:vml" Requires="v">
-                <p:oleObj spid="_x0000_s4116" name="Equation" r:id="rId4" imgW="4686120" imgH="520560" progId="Equation.3">
+                <p:oleObj spid="_x0000_s4117" name="Equation" r:id="rId4" imgW="4686120" imgH="520560" progId="Equation.3">
                   <p:embed/>
                 </p:oleObj>
               </mc:Choice>
@@ -16519,7 +16519,7 @@
           <a:graphicData uri="http://schemas.openxmlformats.org/presentationml/2006/ole">
             <mc:AlternateContent xmlns:mc="http://schemas.openxmlformats.org/markup-compatibility/2006">
               <mc:Choice xmlns:v="urn:schemas-microsoft-com:vml" Requires="v">
-                <p:oleObj spid="_x0000_s5176" name="Equation" r:id="rId4" imgW="1904760" imgH="431640" progId="Equation.3">
+                <p:oleObj spid="_x0000_s5179" name="Equation" r:id="rId4" imgW="1904760" imgH="431640" progId="Equation.3">
                   <p:embed/>
                 </p:oleObj>
               </mc:Choice>
@@ -16616,7 +16616,7 @@
           <a:graphicData uri="http://schemas.openxmlformats.org/presentationml/2006/ole">
             <mc:AlternateContent xmlns:mc="http://schemas.openxmlformats.org/markup-compatibility/2006">
               <mc:Choice xmlns:v="urn:schemas-microsoft-com:vml" Requires="v">
-                <p:oleObj spid="_x0000_s5177" name="Equation" r:id="rId6" imgW="2247840" imgH="495000" progId="Equation.3">
+                <p:oleObj spid="_x0000_s5180" name="Equation" r:id="rId6" imgW="2247840" imgH="495000" progId="Equation.3">
                   <p:embed/>
                 </p:oleObj>
               </mc:Choice>
@@ -16725,7 +16725,7 @@
           <a:graphicData uri="http://schemas.openxmlformats.org/presentationml/2006/ole">
             <mc:AlternateContent xmlns:mc="http://schemas.openxmlformats.org/markup-compatibility/2006">
               <mc:Choice xmlns:v="urn:schemas-microsoft-com:vml" Requires="v">
-                <p:oleObj spid="_x0000_s5178" name="Equation" r:id="rId8" imgW="2603160" imgH="495000" progId="Equation.3">
+                <p:oleObj spid="_x0000_s5181" name="Equation" r:id="rId8" imgW="2603160" imgH="495000" progId="Equation.3">
                   <p:embed/>
                 </p:oleObj>
               </mc:Choice>
@@ -20231,7 +20231,7 @@
           <a:graphicData uri="http://schemas.openxmlformats.org/presentationml/2006/ole">
             <mc:AlternateContent xmlns:mc="http://schemas.openxmlformats.org/markup-compatibility/2006">
               <mc:Choice xmlns:v="urn:schemas-microsoft-com:vml" Requires="v">
-                <p:oleObj spid="_x0000_s6164" name="Уравнение" r:id="rId4" imgW="774360" imgH="266400" progId="Equation.3">
+                <p:oleObj spid="_x0000_s6165" name="Уравнение" r:id="rId4" imgW="774360" imgH="266400" progId="Equation.3">
                   <p:embed/>
                 </p:oleObj>
               </mc:Choice>

--- a/Лекции/ИТиП лек 5.pptx
+++ b/Лекции/ИТиП лек 5.pptx
@@ -237,7 +237,7 @@
             <a:fld id="{AA2F9473-F066-431E-A6E8-1D478C995A6B}" type="datetimeFigureOut">
               <a:rPr lang="en-US" smtClean="0"/>
               <a:pPr/>
-              <a:t>3/11/2025</a:t>
+              <a:t>4/30/2025</a:t>
             </a:fld>
             <a:endParaRPr lang="en-US"/>
           </a:p>
@@ -12731,7 +12731,7 @@
           <a:graphicData uri="http://schemas.openxmlformats.org/presentationml/2006/ole">
             <mc:AlternateContent xmlns:mc="http://schemas.openxmlformats.org/markup-compatibility/2006">
               <mc:Choice xmlns:v="urn:schemas-microsoft-com:vml" Requires="v">
-                <p:oleObj spid="_x0000_s2297" name="Equation" r:id="rId4" imgW="139680" imgH="152280" progId="Equation.3">
+                <p:oleObj spid="_x0000_s2310" name="Equation" r:id="rId4" imgW="139680" imgH="152280" progId="Equation.3">
                   <p:embed/>
                 </p:oleObj>
               </mc:Choice>
@@ -12784,7 +12784,7 @@
           <a:graphicData uri="http://schemas.openxmlformats.org/presentationml/2006/ole">
             <mc:AlternateContent xmlns:mc="http://schemas.openxmlformats.org/markup-compatibility/2006">
               <mc:Choice xmlns:v="urn:schemas-microsoft-com:vml" Requires="v">
-                <p:oleObj spid="_x0000_s2298" name="Equation" r:id="rId6" imgW="152280" imgH="190440" progId="Equation.3">
+                <p:oleObj spid="_x0000_s2311" name="Equation" r:id="rId6" imgW="152280" imgH="190440" progId="Equation.3">
                   <p:embed/>
                 </p:oleObj>
               </mc:Choice>
@@ -13205,7 +13205,7 @@
           <a:graphicData uri="http://schemas.openxmlformats.org/presentationml/2006/ole">
             <mc:AlternateContent xmlns:mc="http://schemas.openxmlformats.org/markup-compatibility/2006">
               <mc:Choice xmlns:v="urn:schemas-microsoft-com:vml" Requires="v">
-                <p:oleObj spid="_x0000_s2299" name="Equation" r:id="rId8" imgW="190440" imgH="241200" progId="Equation.3">
+                <p:oleObj spid="_x0000_s2312" name="Equation" r:id="rId8" imgW="190440" imgH="241200" progId="Equation.3">
                   <p:embed/>
                 </p:oleObj>
               </mc:Choice>
@@ -13258,7 +13258,7 @@
           <a:graphicData uri="http://schemas.openxmlformats.org/presentationml/2006/ole">
             <mc:AlternateContent xmlns:mc="http://schemas.openxmlformats.org/markup-compatibility/2006">
               <mc:Choice xmlns:v="urn:schemas-microsoft-com:vml" Requires="v">
-                <p:oleObj spid="_x0000_s2300" name="Equation" r:id="rId10" imgW="164880" imgH="241200" progId="Equation.3">
+                <p:oleObj spid="_x0000_s2313" name="Equation" r:id="rId10" imgW="164880" imgH="241200" progId="Equation.3">
                   <p:embed/>
                 </p:oleObj>
               </mc:Choice>
@@ -13311,7 +13311,7 @@
           <a:graphicData uri="http://schemas.openxmlformats.org/presentationml/2006/ole">
             <mc:AlternateContent xmlns:mc="http://schemas.openxmlformats.org/markup-compatibility/2006">
               <mc:Choice xmlns:v="urn:schemas-microsoft-com:vml" Requires="v">
-                <p:oleObj spid="_x0000_s2301" name="Equation" r:id="rId12" imgW="190440" imgH="241200" progId="Equation.3">
+                <p:oleObj spid="_x0000_s2314" name="Equation" r:id="rId12" imgW="190440" imgH="241200" progId="Equation.3">
                   <p:embed/>
                 </p:oleObj>
               </mc:Choice>
@@ -13364,7 +13364,7 @@
           <a:graphicData uri="http://schemas.openxmlformats.org/presentationml/2006/ole">
             <mc:AlternateContent xmlns:mc="http://schemas.openxmlformats.org/markup-compatibility/2006">
               <mc:Choice xmlns:v="urn:schemas-microsoft-com:vml" Requires="v">
-                <p:oleObj spid="_x0000_s2302" name="Equation" r:id="rId14" imgW="164880" imgH="241200" progId="Equation.3">
+                <p:oleObj spid="_x0000_s2315" name="Equation" r:id="rId14" imgW="164880" imgH="241200" progId="Equation.3">
                   <p:embed/>
                 </p:oleObj>
               </mc:Choice>
@@ -13417,7 +13417,7 @@
           <a:graphicData uri="http://schemas.openxmlformats.org/presentationml/2006/ole">
             <mc:AlternateContent xmlns:mc="http://schemas.openxmlformats.org/markup-compatibility/2006">
               <mc:Choice xmlns:v="urn:schemas-microsoft-com:vml" Requires="v">
-                <p:oleObj spid="_x0000_s2303" name="Equation" r:id="rId16" imgW="190440" imgH="241200" progId="Equation.3">
+                <p:oleObj spid="_x0000_s2316" name="Equation" r:id="rId16" imgW="190440" imgH="241200" progId="Equation.3">
                   <p:embed/>
                 </p:oleObj>
               </mc:Choice>
@@ -13470,7 +13470,7 @@
           <a:graphicData uri="http://schemas.openxmlformats.org/presentationml/2006/ole">
             <mc:AlternateContent xmlns:mc="http://schemas.openxmlformats.org/markup-compatibility/2006">
               <mc:Choice xmlns:v="urn:schemas-microsoft-com:vml" Requires="v">
-                <p:oleObj spid="_x0000_s2304" name="Equation" r:id="rId18" imgW="190440" imgH="241200" progId="Equation.3">
+                <p:oleObj spid="_x0000_s2317" name="Equation" r:id="rId18" imgW="190440" imgH="241200" progId="Equation.3">
                   <p:embed/>
                 </p:oleObj>
               </mc:Choice>
@@ -13523,7 +13523,7 @@
           <a:graphicData uri="http://schemas.openxmlformats.org/presentationml/2006/ole">
             <mc:AlternateContent xmlns:mc="http://schemas.openxmlformats.org/markup-compatibility/2006">
               <mc:Choice xmlns:v="urn:schemas-microsoft-com:vml" Requires="v">
-                <p:oleObj spid="_x0000_s2305" name="Equation" r:id="rId20" imgW="177480" imgH="241200" progId="Equation.3">
+                <p:oleObj spid="_x0000_s2318" name="Equation" r:id="rId20" imgW="177480" imgH="241200" progId="Equation.3">
                   <p:embed/>
                 </p:oleObj>
               </mc:Choice>
@@ -13576,7 +13576,7 @@
           <a:graphicData uri="http://schemas.openxmlformats.org/presentationml/2006/ole">
             <mc:AlternateContent xmlns:mc="http://schemas.openxmlformats.org/markup-compatibility/2006">
               <mc:Choice xmlns:v="urn:schemas-microsoft-com:vml" Requires="v">
-                <p:oleObj spid="_x0000_s2306" name="Equation" r:id="rId22" imgW="203040" imgH="241200" progId="Equation.3">
+                <p:oleObj spid="_x0000_s2319" name="Equation" r:id="rId22" imgW="203040" imgH="241200" progId="Equation.3">
                   <p:embed/>
                 </p:oleObj>
               </mc:Choice>
@@ -13629,7 +13629,7 @@
           <a:graphicData uri="http://schemas.openxmlformats.org/presentationml/2006/ole">
             <mc:AlternateContent xmlns:mc="http://schemas.openxmlformats.org/markup-compatibility/2006">
               <mc:Choice xmlns:v="urn:schemas-microsoft-com:vml" Requires="v">
-                <p:oleObj spid="_x0000_s2307" name="Equation" r:id="rId24" imgW="177480" imgH="241200" progId="Equation.3">
+                <p:oleObj spid="_x0000_s2320" name="Equation" r:id="rId24" imgW="177480" imgH="241200" progId="Equation.3">
                   <p:embed/>
                 </p:oleObj>
               </mc:Choice>
@@ -13682,7 +13682,7 @@
           <a:graphicData uri="http://schemas.openxmlformats.org/presentationml/2006/ole">
             <mc:AlternateContent xmlns:mc="http://schemas.openxmlformats.org/markup-compatibility/2006">
               <mc:Choice xmlns:v="urn:schemas-microsoft-com:vml" Requires="v">
-                <p:oleObj spid="_x0000_s2308" name="Equation" r:id="rId26" imgW="304560" imgH="241200" progId="Equation.3">
+                <p:oleObj spid="_x0000_s2321" name="Equation" r:id="rId26" imgW="304560" imgH="241200" progId="Equation.3">
                   <p:embed/>
                 </p:oleObj>
               </mc:Choice>
@@ -13735,7 +13735,7 @@
           <a:graphicData uri="http://schemas.openxmlformats.org/presentationml/2006/ole">
             <mc:AlternateContent xmlns:mc="http://schemas.openxmlformats.org/markup-compatibility/2006">
               <mc:Choice xmlns:v="urn:schemas-microsoft-com:vml" Requires="v">
-                <p:oleObj spid="_x0000_s2309" name="Equation" r:id="rId28" imgW="2641320" imgH="495000" progId="Equation.3">
+                <p:oleObj spid="_x0000_s2322" name="Equation" r:id="rId28" imgW="2641320" imgH="495000" progId="Equation.3">
                   <p:embed/>
                 </p:oleObj>
               </mc:Choice>
@@ -14731,7 +14731,7 @@
           <a:graphicData uri="http://schemas.openxmlformats.org/presentationml/2006/ole">
             <mc:AlternateContent xmlns:mc="http://schemas.openxmlformats.org/markup-compatibility/2006">
               <mc:Choice xmlns:v="urn:schemas-microsoft-com:vml" Requires="v">
-                <p:oleObj spid="_x0000_s1273" name="Equation" r:id="rId4" imgW="139680" imgH="152280" progId="Equation.3">
+                <p:oleObj spid="_x0000_s1286" name="Equation" r:id="rId4" imgW="139680" imgH="152280" progId="Equation.3">
                   <p:embed/>
                 </p:oleObj>
               </mc:Choice>
@@ -14784,7 +14784,7 @@
           <a:graphicData uri="http://schemas.openxmlformats.org/presentationml/2006/ole">
             <mc:AlternateContent xmlns:mc="http://schemas.openxmlformats.org/markup-compatibility/2006">
               <mc:Choice xmlns:v="urn:schemas-microsoft-com:vml" Requires="v">
-                <p:oleObj spid="_x0000_s1274" name="Equation" r:id="rId6" imgW="152280" imgH="190440" progId="Equation.3">
+                <p:oleObj spid="_x0000_s1287" name="Equation" r:id="rId6" imgW="152280" imgH="190440" progId="Equation.3">
                   <p:embed/>
                 </p:oleObj>
               </mc:Choice>
@@ -15205,7 +15205,7 @@
           <a:graphicData uri="http://schemas.openxmlformats.org/presentationml/2006/ole">
             <mc:AlternateContent xmlns:mc="http://schemas.openxmlformats.org/markup-compatibility/2006">
               <mc:Choice xmlns:v="urn:schemas-microsoft-com:vml" Requires="v">
-                <p:oleObj spid="_x0000_s1275" name="Equation" r:id="rId8" imgW="190440" imgH="241200" progId="Equation.3">
+                <p:oleObj spid="_x0000_s1288" name="Equation" r:id="rId8" imgW="190440" imgH="241200" progId="Equation.3">
                   <p:embed/>
                 </p:oleObj>
               </mc:Choice>
@@ -15258,7 +15258,7 @@
           <a:graphicData uri="http://schemas.openxmlformats.org/presentationml/2006/ole">
             <mc:AlternateContent xmlns:mc="http://schemas.openxmlformats.org/markup-compatibility/2006">
               <mc:Choice xmlns:v="urn:schemas-microsoft-com:vml" Requires="v">
-                <p:oleObj spid="_x0000_s1276" name="Equation" r:id="rId10" imgW="164880" imgH="241200" progId="Equation.3">
+                <p:oleObj spid="_x0000_s1289" name="Equation" r:id="rId10" imgW="164880" imgH="241200" progId="Equation.3">
                   <p:embed/>
                 </p:oleObj>
               </mc:Choice>
@@ -15311,7 +15311,7 @@
           <a:graphicData uri="http://schemas.openxmlformats.org/presentationml/2006/ole">
             <mc:AlternateContent xmlns:mc="http://schemas.openxmlformats.org/markup-compatibility/2006">
               <mc:Choice xmlns:v="urn:schemas-microsoft-com:vml" Requires="v">
-                <p:oleObj spid="_x0000_s1277" name="Equation" r:id="rId12" imgW="190440" imgH="241200" progId="Equation.3">
+                <p:oleObj spid="_x0000_s1290" name="Equation" r:id="rId12" imgW="190440" imgH="241200" progId="Equation.3">
                   <p:embed/>
                 </p:oleObj>
               </mc:Choice>
@@ -15364,7 +15364,7 @@
           <a:graphicData uri="http://schemas.openxmlformats.org/presentationml/2006/ole">
             <mc:AlternateContent xmlns:mc="http://schemas.openxmlformats.org/markup-compatibility/2006">
               <mc:Choice xmlns:v="urn:schemas-microsoft-com:vml" Requires="v">
-                <p:oleObj spid="_x0000_s1278" name="Equation" r:id="rId14" imgW="164880" imgH="241200" progId="Equation.3">
+                <p:oleObj spid="_x0000_s1291" name="Equation" r:id="rId14" imgW="164880" imgH="241200" progId="Equation.3">
                   <p:embed/>
                 </p:oleObj>
               </mc:Choice>
@@ -15417,7 +15417,7 @@
           <a:graphicData uri="http://schemas.openxmlformats.org/presentationml/2006/ole">
             <mc:AlternateContent xmlns:mc="http://schemas.openxmlformats.org/markup-compatibility/2006">
               <mc:Choice xmlns:v="urn:schemas-microsoft-com:vml" Requires="v">
-                <p:oleObj spid="_x0000_s1279" name="Equation" r:id="rId16" imgW="190440" imgH="241200" progId="Equation.3">
+                <p:oleObj spid="_x0000_s1292" name="Equation" r:id="rId16" imgW="190440" imgH="241200" progId="Equation.3">
                   <p:embed/>
                 </p:oleObj>
               </mc:Choice>
@@ -15470,7 +15470,7 @@
           <a:graphicData uri="http://schemas.openxmlformats.org/presentationml/2006/ole">
             <mc:AlternateContent xmlns:mc="http://schemas.openxmlformats.org/markup-compatibility/2006">
               <mc:Choice xmlns:v="urn:schemas-microsoft-com:vml" Requires="v">
-                <p:oleObj spid="_x0000_s1280" name="Equation" r:id="rId18" imgW="190440" imgH="241200" progId="Equation.3">
+                <p:oleObj spid="_x0000_s1293" name="Equation" r:id="rId18" imgW="190440" imgH="241200" progId="Equation.3">
                   <p:embed/>
                 </p:oleObj>
               </mc:Choice>
@@ -15523,7 +15523,7 @@
           <a:graphicData uri="http://schemas.openxmlformats.org/presentationml/2006/ole">
             <mc:AlternateContent xmlns:mc="http://schemas.openxmlformats.org/markup-compatibility/2006">
               <mc:Choice xmlns:v="urn:schemas-microsoft-com:vml" Requires="v">
-                <p:oleObj spid="_x0000_s1281" name="Equation" r:id="rId20" imgW="177480" imgH="241200" progId="Equation.3">
+                <p:oleObj spid="_x0000_s1294" name="Equation" r:id="rId20" imgW="177480" imgH="241200" progId="Equation.3">
                   <p:embed/>
                 </p:oleObj>
               </mc:Choice>
@@ -15576,7 +15576,7 @@
           <a:graphicData uri="http://schemas.openxmlformats.org/presentationml/2006/ole">
             <mc:AlternateContent xmlns:mc="http://schemas.openxmlformats.org/markup-compatibility/2006">
               <mc:Choice xmlns:v="urn:schemas-microsoft-com:vml" Requires="v">
-                <p:oleObj spid="_x0000_s1282" name="Equation" r:id="rId22" imgW="203040" imgH="241200" progId="Equation.3">
+                <p:oleObj spid="_x0000_s1295" name="Equation" r:id="rId22" imgW="203040" imgH="241200" progId="Equation.3">
                   <p:embed/>
                 </p:oleObj>
               </mc:Choice>
@@ -15629,7 +15629,7 @@
           <a:graphicData uri="http://schemas.openxmlformats.org/presentationml/2006/ole">
             <mc:AlternateContent xmlns:mc="http://schemas.openxmlformats.org/markup-compatibility/2006">
               <mc:Choice xmlns:v="urn:schemas-microsoft-com:vml" Requires="v">
-                <p:oleObj spid="_x0000_s1283" name="Equation" r:id="rId24" imgW="177480" imgH="241200" progId="Equation.3">
+                <p:oleObj spid="_x0000_s1296" name="Equation" r:id="rId24" imgW="177480" imgH="241200" progId="Equation.3">
                   <p:embed/>
                 </p:oleObj>
               </mc:Choice>
@@ -15682,7 +15682,7 @@
           <a:graphicData uri="http://schemas.openxmlformats.org/presentationml/2006/ole">
             <mc:AlternateContent xmlns:mc="http://schemas.openxmlformats.org/markup-compatibility/2006">
               <mc:Choice xmlns:v="urn:schemas-microsoft-com:vml" Requires="v">
-                <p:oleObj spid="_x0000_s1284" name="Equation" r:id="rId26" imgW="304560" imgH="241200" progId="Equation.3">
+                <p:oleObj spid="_x0000_s1297" name="Equation" r:id="rId26" imgW="304560" imgH="241200" progId="Equation.3">
                   <p:embed/>
                 </p:oleObj>
               </mc:Choice>
@@ -15735,7 +15735,7 @@
           <a:graphicData uri="http://schemas.openxmlformats.org/presentationml/2006/ole">
             <mc:AlternateContent xmlns:mc="http://schemas.openxmlformats.org/markup-compatibility/2006">
               <mc:Choice xmlns:v="urn:schemas-microsoft-com:vml" Requires="v">
-                <p:oleObj spid="_x0000_s1285" name="Equation" r:id="rId28" imgW="3136680" imgH="495000" progId="Equation.3">
+                <p:oleObj spid="_x0000_s1298" name="Equation" r:id="rId28" imgW="3136680" imgH="495000" progId="Equation.3">
                   <p:embed/>
                 </p:oleObj>
               </mc:Choice>
@@ -15863,7 +15863,7 @@
           <a:graphicData uri="http://schemas.openxmlformats.org/presentationml/2006/ole">
             <mc:AlternateContent xmlns:mc="http://schemas.openxmlformats.org/markup-compatibility/2006">
               <mc:Choice xmlns:v="urn:schemas-microsoft-com:vml" Requires="v">
-                <p:oleObj spid="_x0000_s3093" name="Equation" r:id="rId4" imgW="3314520" imgH="495000" progId="Equation.3">
+                <p:oleObj spid="_x0000_s3094" name="Equation" r:id="rId4" imgW="3314520" imgH="495000" progId="Equation.3">
                   <p:embed/>
                 </p:oleObj>
               </mc:Choice>
@@ -15981,7 +15981,7 @@
           </a:prstGeom>
         </p:spPr>
         <p:txBody>
-          <a:bodyPr wrap="square">
+          <a:bodyPr wrap="square" lIns="360000" rIns="360000">
             <a:spAutoFit/>
           </a:bodyPr>
           <a:lstStyle/>
@@ -16301,7 +16301,7 @@
           <a:graphicData uri="http://schemas.openxmlformats.org/presentationml/2006/ole">
             <mc:AlternateContent xmlns:mc="http://schemas.openxmlformats.org/markup-compatibility/2006">
               <mc:Choice xmlns:v="urn:schemas-microsoft-com:vml" Requires="v">
-                <p:oleObj spid="_x0000_s4117" name="Equation" r:id="rId4" imgW="4686120" imgH="520560" progId="Equation.3">
+                <p:oleObj spid="_x0000_s4118" name="Equation" r:id="rId4" imgW="4686120" imgH="520560" progId="Equation.3">
                   <p:embed/>
                 </p:oleObj>
               </mc:Choice>
@@ -16519,7 +16519,7 @@
           <a:graphicData uri="http://schemas.openxmlformats.org/presentationml/2006/ole">
             <mc:AlternateContent xmlns:mc="http://schemas.openxmlformats.org/markup-compatibility/2006">
               <mc:Choice xmlns:v="urn:schemas-microsoft-com:vml" Requires="v">
-                <p:oleObj spid="_x0000_s5179" name="Equation" r:id="rId4" imgW="1904760" imgH="431640" progId="Equation.3">
+                <p:oleObj spid="_x0000_s5182" name="Equation" r:id="rId4" imgW="1904760" imgH="431640" progId="Equation.3">
                   <p:embed/>
                 </p:oleObj>
               </mc:Choice>
@@ -16616,7 +16616,7 @@
           <a:graphicData uri="http://schemas.openxmlformats.org/presentationml/2006/ole">
             <mc:AlternateContent xmlns:mc="http://schemas.openxmlformats.org/markup-compatibility/2006">
               <mc:Choice xmlns:v="urn:schemas-microsoft-com:vml" Requires="v">
-                <p:oleObj spid="_x0000_s5180" name="Equation" r:id="rId6" imgW="2247840" imgH="495000" progId="Equation.3">
+                <p:oleObj spid="_x0000_s5183" name="Equation" r:id="rId6" imgW="2247840" imgH="495000" progId="Equation.3">
                   <p:embed/>
                 </p:oleObj>
               </mc:Choice>
@@ -16725,7 +16725,7 @@
           <a:graphicData uri="http://schemas.openxmlformats.org/presentationml/2006/ole">
             <mc:AlternateContent xmlns:mc="http://schemas.openxmlformats.org/markup-compatibility/2006">
               <mc:Choice xmlns:v="urn:schemas-microsoft-com:vml" Requires="v">
-                <p:oleObj spid="_x0000_s5181" name="Equation" r:id="rId8" imgW="2603160" imgH="495000" progId="Equation.3">
+                <p:oleObj spid="_x0000_s5184" name="Equation" r:id="rId8" imgW="2603160" imgH="495000" progId="Equation.3">
                   <p:embed/>
                 </p:oleObj>
               </mc:Choice>
@@ -20231,7 +20231,7 @@
           <a:graphicData uri="http://schemas.openxmlformats.org/presentationml/2006/ole">
             <mc:AlternateContent xmlns:mc="http://schemas.openxmlformats.org/markup-compatibility/2006">
               <mc:Choice xmlns:v="urn:schemas-microsoft-com:vml" Requires="v">
-                <p:oleObj spid="_x0000_s6165" name="Уравнение" r:id="rId4" imgW="774360" imgH="266400" progId="Equation.3">
+                <p:oleObj spid="_x0000_s6166" name="Уравнение" r:id="rId4" imgW="774360" imgH="266400" progId="Equation.3">
                   <p:embed/>
                 </p:oleObj>
               </mc:Choice>
